--- a/Presentación.pptx
+++ b/Presentación.pptx
@@ -111,6 +111,11 @@
       </a:defRPr>
     </a:lvl9pPr>
   </p:defaultTextStyle>
+  <p:extLst>
+    <p:ext uri="{EFAFB233-063F-42B5-8137-9DF3F51BA10A}">
+      <p15:sldGuideLst xmlns:p15="http://schemas.microsoft.com/office/powerpoint/2012/main"/>
+    </p:ext>
+  </p:extLst>
 </p:presentation>
 </file>
 
@@ -261,7 +266,7 @@
           <a:p>
             <a:fld id="{A8FA8FA4-8694-4C7D-B2BB-677D5A23FF89}" type="datetimeFigureOut">
               <a:rPr lang="es-ES" smtClean="0"/>
-              <a:t>01/09/2024</a:t>
+              <a:t>02/09/2024</a:t>
             </a:fld>
             <a:endParaRPr lang="es-ES"/>
           </a:p>
@@ -459,7 +464,7 @@
           <a:p>
             <a:fld id="{A8FA8FA4-8694-4C7D-B2BB-677D5A23FF89}" type="datetimeFigureOut">
               <a:rPr lang="es-ES" smtClean="0"/>
-              <a:t>01/09/2024</a:t>
+              <a:t>02/09/2024</a:t>
             </a:fld>
             <a:endParaRPr lang="es-ES"/>
           </a:p>
@@ -667,7 +672,7 @@
           <a:p>
             <a:fld id="{A8FA8FA4-8694-4C7D-B2BB-677D5A23FF89}" type="datetimeFigureOut">
               <a:rPr lang="es-ES" smtClean="0"/>
-              <a:t>01/09/2024</a:t>
+              <a:t>02/09/2024</a:t>
             </a:fld>
             <a:endParaRPr lang="es-ES"/>
           </a:p>
@@ -865,7 +870,7 @@
           <a:p>
             <a:fld id="{A8FA8FA4-8694-4C7D-B2BB-677D5A23FF89}" type="datetimeFigureOut">
               <a:rPr lang="es-ES" smtClean="0"/>
-              <a:t>01/09/2024</a:t>
+              <a:t>02/09/2024</a:t>
             </a:fld>
             <a:endParaRPr lang="es-ES"/>
           </a:p>
@@ -1140,7 +1145,7 @@
           <a:p>
             <a:fld id="{A8FA8FA4-8694-4C7D-B2BB-677D5A23FF89}" type="datetimeFigureOut">
               <a:rPr lang="es-ES" smtClean="0"/>
-              <a:t>01/09/2024</a:t>
+              <a:t>02/09/2024</a:t>
             </a:fld>
             <a:endParaRPr lang="es-ES"/>
           </a:p>
@@ -1405,7 +1410,7 @@
           <a:p>
             <a:fld id="{A8FA8FA4-8694-4C7D-B2BB-677D5A23FF89}" type="datetimeFigureOut">
               <a:rPr lang="es-ES" smtClean="0"/>
-              <a:t>01/09/2024</a:t>
+              <a:t>02/09/2024</a:t>
             </a:fld>
             <a:endParaRPr lang="es-ES"/>
           </a:p>
@@ -1817,7 +1822,7 @@
           <a:p>
             <a:fld id="{A8FA8FA4-8694-4C7D-B2BB-677D5A23FF89}" type="datetimeFigureOut">
               <a:rPr lang="es-ES" smtClean="0"/>
-              <a:t>01/09/2024</a:t>
+              <a:t>02/09/2024</a:t>
             </a:fld>
             <a:endParaRPr lang="es-ES"/>
           </a:p>
@@ -1958,7 +1963,7 @@
           <a:p>
             <a:fld id="{A8FA8FA4-8694-4C7D-B2BB-677D5A23FF89}" type="datetimeFigureOut">
               <a:rPr lang="es-ES" smtClean="0"/>
-              <a:t>01/09/2024</a:t>
+              <a:t>02/09/2024</a:t>
             </a:fld>
             <a:endParaRPr lang="es-ES"/>
           </a:p>
@@ -2071,7 +2076,7 @@
           <a:p>
             <a:fld id="{A8FA8FA4-8694-4C7D-B2BB-677D5A23FF89}" type="datetimeFigureOut">
               <a:rPr lang="es-ES" smtClean="0"/>
-              <a:t>01/09/2024</a:t>
+              <a:t>02/09/2024</a:t>
             </a:fld>
             <a:endParaRPr lang="es-ES"/>
           </a:p>
@@ -2382,7 +2387,7 @@
           <a:p>
             <a:fld id="{A8FA8FA4-8694-4C7D-B2BB-677D5A23FF89}" type="datetimeFigureOut">
               <a:rPr lang="es-ES" smtClean="0"/>
-              <a:t>01/09/2024</a:t>
+              <a:t>02/09/2024</a:t>
             </a:fld>
             <a:endParaRPr lang="es-ES"/>
           </a:p>
@@ -2670,7 +2675,7 @@
           <a:p>
             <a:fld id="{A8FA8FA4-8694-4C7D-B2BB-677D5A23FF89}" type="datetimeFigureOut">
               <a:rPr lang="es-ES" smtClean="0"/>
-              <a:t>01/09/2024</a:t>
+              <a:t>02/09/2024</a:t>
             </a:fld>
             <a:endParaRPr lang="es-ES"/>
           </a:p>
@@ -2911,7 +2916,7 @@
           <a:p>
             <a:fld id="{A8FA8FA4-8694-4C7D-B2BB-677D5A23FF89}" type="datetimeFigureOut">
               <a:rPr lang="es-ES" smtClean="0"/>
-              <a:t>01/09/2024</a:t>
+              <a:t>02/09/2024</a:t>
             </a:fld>
             <a:endParaRPr lang="es-ES"/>
           </a:p>
@@ -3540,41 +3545,31 @@
           <a:chExt cx="0" cy="0"/>
         </a:xfrm>
       </p:grpSpPr>
-      <p:pic>
-        <p:nvPicPr>
-          <p:cNvPr id="6" name="Marcador de contenido 5" descr="Texto&#10;&#10;Descripción generada automáticamente">
-            <a:extLst>
-              <a:ext uri="{FF2B5EF4-FFF2-40B4-BE49-F238E27FC236}">
-                <a16:creationId xmlns:a16="http://schemas.microsoft.com/office/drawing/2014/main" id="{816CAFE8-2C37-E369-2477-54F24F0E5DF6}"/>
-              </a:ext>
-            </a:extLst>
-          </p:cNvPr>
-          <p:cNvPicPr>
-            <a:picLocks noGrp="1" noChangeAspect="1"/>
-          </p:cNvPicPr>
-          <p:nvPr>
-            <p:ph idx="1"/>
-          </p:nvPr>
-        </p:nvPicPr>
-        <p:blipFill>
-          <a:blip r:embed="rId2">
-            <a:extLst>
-              <a:ext uri="{28A0092B-C50C-407E-A947-70E740481C1C}">
-                <a14:useLocalDpi xmlns:a14="http://schemas.microsoft.com/office/drawing/2010/main" val="0"/>
-              </a:ext>
-            </a:extLst>
-          </a:blip>
-          <a:stretch>
-            <a:fillRect/>
-          </a:stretch>
-        </p:blipFill>
-        <p:spPr>
-          <a:xfrm>
-            <a:off x="0" y="193127"/>
-            <a:ext cx="1048768" cy="343996"/>
-          </a:xfrm>
-        </p:spPr>
-      </p:pic>
+      <p:sp>
+        <p:nvSpPr>
+          <p:cNvPr id="26" name="Marcador de contenido 25">
+            <a:extLst>
+              <a:ext uri="{FF2B5EF4-FFF2-40B4-BE49-F238E27FC236}">
+                <a16:creationId xmlns:a16="http://schemas.microsoft.com/office/drawing/2014/main" id="{2F291D8C-FAC0-7A4F-F69B-21997F924D64}"/>
+              </a:ext>
+            </a:extLst>
+          </p:cNvPr>
+          <p:cNvSpPr>
+            <a:spLocks noGrp="1"/>
+          </p:cNvSpPr>
+          <p:nvPr>
+            <p:ph sz="half" idx="2"/>
+          </p:nvPr>
+        </p:nvSpPr>
+        <p:spPr/>
+        <p:txBody>
+          <a:bodyPr/>
+          <a:lstStyle/>
+          <a:p>
+            <a:endParaRPr lang="es-ES"/>
+          </a:p>
+        </p:txBody>
+      </p:sp>
       <p:sp>
         <p:nvSpPr>
           <p:cNvPr id="4" name="Rectángulo 3">
@@ -3750,6 +3745,139 @@
           </a:p>
         </p:txBody>
       </p:sp>
+      <p:pic>
+        <p:nvPicPr>
+          <p:cNvPr id="29" name="Marcador de contenido 5" descr="Texto&#10;&#10;Descripción generada automáticamente">
+            <a:extLst>
+              <a:ext uri="{FF2B5EF4-FFF2-40B4-BE49-F238E27FC236}">
+                <a16:creationId xmlns:a16="http://schemas.microsoft.com/office/drawing/2014/main" id="{E68254F0-A1B9-93B5-8F11-85DDB2722D05}"/>
+              </a:ext>
+            </a:extLst>
+          </p:cNvPr>
+          <p:cNvPicPr>
+            <a:picLocks noChangeAspect="1"/>
+          </p:cNvPicPr>
+          <p:nvPr/>
+        </p:nvPicPr>
+        <p:blipFill>
+          <a:blip r:embed="rId2">
+            <a:extLst>
+              <a:ext uri="{28A0092B-C50C-407E-A947-70E740481C1C}">
+                <a14:useLocalDpi xmlns:a14="http://schemas.microsoft.com/office/drawing/2010/main" val="0"/>
+              </a:ext>
+            </a:extLst>
+          </a:blip>
+          <a:stretch>
+            <a:fillRect/>
+          </a:stretch>
+        </p:blipFill>
+        <p:spPr>
+          <a:xfrm>
+            <a:off x="0" y="193127"/>
+            <a:ext cx="1048768" cy="343996"/>
+          </a:xfrm>
+          <a:prstGeom prst="rect">
+            <a:avLst/>
+          </a:prstGeom>
+        </p:spPr>
+      </p:pic>
+      <p:pic>
+        <p:nvPicPr>
+          <p:cNvPr id="30" name="Imagen 29" descr="Texto&#10;&#10;Descripción generada automáticamente">
+            <a:extLst>
+              <a:ext uri="{FF2B5EF4-FFF2-40B4-BE49-F238E27FC236}">
+                <a16:creationId xmlns:a16="http://schemas.microsoft.com/office/drawing/2014/main" id="{B5FF142C-6123-81BD-EFF5-8A6BB6A6E0A4}"/>
+              </a:ext>
+            </a:extLst>
+          </p:cNvPr>
+          <p:cNvPicPr>
+            <a:picLocks noChangeAspect="1"/>
+          </p:cNvPicPr>
+          <p:nvPr/>
+        </p:nvPicPr>
+        <p:blipFill>
+          <a:blip r:embed="rId3">
+            <a:extLst>
+              <a:ext uri="{28A0092B-C50C-407E-A947-70E740481C1C}">
+                <a14:useLocalDpi xmlns:a14="http://schemas.microsoft.com/office/drawing/2010/main" val="0"/>
+              </a:ext>
+            </a:extLst>
+          </a:blip>
+          <a:stretch>
+            <a:fillRect/>
+          </a:stretch>
+        </p:blipFill>
+        <p:spPr>
+          <a:xfrm>
+            <a:off x="2017195" y="3268553"/>
+            <a:ext cx="2590800" cy="666750"/>
+          </a:xfrm>
+          <a:prstGeom prst="rect">
+            <a:avLst/>
+          </a:prstGeom>
+        </p:spPr>
+      </p:pic>
+      <p:sp>
+        <p:nvSpPr>
+          <p:cNvPr id="31" name="CuadroTexto 30">
+            <a:extLst>
+              <a:ext uri="{FF2B5EF4-FFF2-40B4-BE49-F238E27FC236}">
+                <a16:creationId xmlns:a16="http://schemas.microsoft.com/office/drawing/2014/main" id="{7C9E306A-BACD-9C21-E335-A4A98219E7E2}"/>
+              </a:ext>
+            </a:extLst>
+          </p:cNvPr>
+          <p:cNvSpPr txBox="1"/>
+          <p:nvPr/>
+        </p:nvSpPr>
+        <p:spPr>
+          <a:xfrm>
+            <a:off x="838200" y="2698472"/>
+            <a:ext cx="4948791" cy="646331"/>
+          </a:xfrm>
+          <a:prstGeom prst="rect">
+            <a:avLst/>
+          </a:prstGeom>
+          <a:noFill/>
+        </p:spPr>
+        <p:txBody>
+          <a:bodyPr wrap="none" rtlCol="0">
+            <a:spAutoFit/>
+          </a:bodyPr>
+          <a:lstStyle/>
+          <a:p>
+            <a:r>
+              <a:rPr lang="es-ES" b="1" dirty="0">
+                <a:latin typeface="Times New Roman" panose="02020603050405020304" pitchFamily="18" charset="0"/>
+                <a:cs typeface="Times New Roman" panose="02020603050405020304" pitchFamily="18" charset="0"/>
+              </a:rPr>
+              <a:t>Figura 1</a:t>
+            </a:r>
+          </a:p>
+          <a:p>
+            <a:r>
+              <a:rPr lang="es-ES" i="1" dirty="0">
+                <a:latin typeface="Times New Roman" panose="02020603050405020304" pitchFamily="18" charset="0"/>
+                <a:cs typeface="Times New Roman" panose="02020603050405020304" pitchFamily="18" charset="0"/>
+              </a:rPr>
+              <a:t>Logo de Soluciones de Información </a:t>
+            </a:r>
+            <a:r>
+              <a:rPr lang="es-ES" i="1" dirty="0" err="1">
+                <a:latin typeface="Times New Roman" panose="02020603050405020304" pitchFamily="18" charset="0"/>
+                <a:cs typeface="Times New Roman" panose="02020603050405020304" pitchFamily="18" charset="0"/>
+              </a:rPr>
+              <a:t>NextSoft</a:t>
+            </a:r>
+            <a:r>
+              <a:rPr lang="es-ES" i="1" dirty="0">
+                <a:latin typeface="Times New Roman" panose="02020603050405020304" pitchFamily="18" charset="0"/>
+                <a:cs typeface="Times New Roman" panose="02020603050405020304" pitchFamily="18" charset="0"/>
+              </a:rPr>
+              <a:t> S.A.C.</a:t>
+            </a:r>
+          </a:p>
+        </p:txBody>
+      </p:sp>
     </p:spTree>
     <p:extLst>
       <p:ext uri="{BB962C8B-B14F-4D97-AF65-F5344CB8AC3E}">
@@ -3986,6 +4114,133 @@
                 <a:cs typeface="Times New Roman" panose="02020603050405020304" pitchFamily="18" charset="0"/>
               </a:rPr>
               <a:t>Objetivos</a:t>
+            </a:r>
+          </a:p>
+        </p:txBody>
+      </p:sp>
+      <p:sp>
+        <p:nvSpPr>
+          <p:cNvPr id="2" name="CuadroTexto 1">
+            <a:extLst>
+              <a:ext uri="{FF2B5EF4-FFF2-40B4-BE49-F238E27FC236}">
+                <a16:creationId xmlns:a16="http://schemas.microsoft.com/office/drawing/2014/main" id="{25904793-D877-8DE9-691C-5375DB65FDD1}"/>
+              </a:ext>
+            </a:extLst>
+          </p:cNvPr>
+          <p:cNvSpPr txBox="1"/>
+          <p:nvPr/>
+        </p:nvSpPr>
+        <p:spPr>
+          <a:xfrm>
+            <a:off x="838200" y="2113342"/>
+            <a:ext cx="10515600" cy="3139321"/>
+          </a:xfrm>
+          <a:prstGeom prst="rect">
+            <a:avLst/>
+          </a:prstGeom>
+          <a:noFill/>
+        </p:spPr>
+        <p:txBody>
+          <a:bodyPr wrap="square" rtlCol="0">
+            <a:spAutoFit/>
+          </a:bodyPr>
+          <a:lstStyle/>
+          <a:p>
+            <a:r>
+              <a:rPr lang="es-ES" b="1" dirty="0">
+                <a:latin typeface="Times New Roman" panose="02020603050405020304" pitchFamily="18" charset="0"/>
+                <a:cs typeface="Times New Roman" panose="02020603050405020304" pitchFamily="18" charset="0"/>
+              </a:rPr>
+              <a:t>General</a:t>
+            </a:r>
+          </a:p>
+          <a:p>
+            <a:r>
+              <a:rPr lang="es-ES" dirty="0">
+                <a:latin typeface="Times New Roman" panose="02020603050405020304" pitchFamily="18" charset="0"/>
+                <a:cs typeface="Times New Roman" panose="02020603050405020304" pitchFamily="18" charset="0"/>
+              </a:rPr>
+              <a:t>Desarrollar e implementar un módulo de gestión de inventario de equipos que permita optimizar el control de recursos, incluyendo el registro de equipos, movimientos, transferencias entre almacenes, y la generación de reportes detallados, mejorando así la eficiencia operativa de las empresas que lo utilicen.</a:t>
+            </a:r>
+          </a:p>
+          <a:p>
+            <a:endParaRPr lang="es-ES" dirty="0">
+              <a:latin typeface="Times New Roman" panose="02020603050405020304" pitchFamily="18" charset="0"/>
+              <a:cs typeface="Times New Roman" panose="02020603050405020304" pitchFamily="18" charset="0"/>
+            </a:endParaRPr>
+          </a:p>
+          <a:p>
+            <a:r>
+              <a:rPr lang="es-ES" b="1" dirty="0">
+                <a:latin typeface="Times New Roman" panose="02020603050405020304" pitchFamily="18" charset="0"/>
+                <a:cs typeface="Times New Roman" panose="02020603050405020304" pitchFamily="18" charset="0"/>
+              </a:rPr>
+              <a:t>Específicos</a:t>
+            </a:r>
+          </a:p>
+          <a:p>
+            <a:pPr marL="342900" indent="-342900">
+              <a:buFont typeface="+mj-lt"/>
+              <a:buAutoNum type="arabicPeriod"/>
+            </a:pPr>
+            <a:r>
+              <a:rPr lang="es-ES" dirty="0">
+                <a:latin typeface="Times New Roman" panose="02020603050405020304" pitchFamily="18" charset="0"/>
+                <a:cs typeface="Times New Roman" panose="02020603050405020304" pitchFamily="18" charset="0"/>
+              </a:rPr>
+              <a:t>Analizar y definir los requisitos funcionales y no funcionales.</a:t>
+            </a:r>
+          </a:p>
+          <a:p>
+            <a:pPr marL="342900" indent="-342900">
+              <a:buFont typeface="+mj-lt"/>
+              <a:buAutoNum type="arabicPeriod"/>
+            </a:pPr>
+            <a:r>
+              <a:rPr lang="es-ES" dirty="0">
+                <a:latin typeface="Times New Roman" panose="02020603050405020304" pitchFamily="18" charset="0"/>
+                <a:cs typeface="Times New Roman" panose="02020603050405020304" pitchFamily="18" charset="0"/>
+              </a:rPr>
+              <a:t>Diseñar un sistema que contemple todas las funciones clave de la gestión de inventario de equipos.</a:t>
+            </a:r>
+          </a:p>
+          <a:p>
+            <a:pPr marL="342900" indent="-342900">
+              <a:buFont typeface="+mj-lt"/>
+              <a:buAutoNum type="arabicPeriod"/>
+            </a:pPr>
+            <a:r>
+              <a:rPr lang="es-ES" dirty="0">
+                <a:latin typeface="Times New Roman" panose="02020603050405020304" pitchFamily="18" charset="0"/>
+                <a:cs typeface="Times New Roman" panose="02020603050405020304" pitchFamily="18" charset="0"/>
+              </a:rPr>
+              <a:t>Desarrollar el módulo utilizando tecnologías actuales.</a:t>
+            </a:r>
+          </a:p>
+          <a:p>
+            <a:pPr marL="342900" indent="-342900">
+              <a:buFont typeface="+mj-lt"/>
+              <a:buAutoNum type="arabicPeriod"/>
+            </a:pPr>
+            <a:r>
+              <a:rPr lang="es-ES" dirty="0">
+                <a:latin typeface="Times New Roman" panose="02020603050405020304" pitchFamily="18" charset="0"/>
+                <a:cs typeface="Times New Roman" panose="02020603050405020304" pitchFamily="18" charset="0"/>
+              </a:rPr>
+              <a:t>Implementar y probar el módulo en un entorno real.</a:t>
+            </a:r>
+          </a:p>
+          <a:p>
+            <a:pPr marL="342900" indent="-342900">
+              <a:buFont typeface="+mj-lt"/>
+              <a:buAutoNum type="arabicPeriod"/>
+            </a:pPr>
+            <a:r>
+              <a:rPr lang="es-ES" dirty="0">
+                <a:latin typeface="Times New Roman" panose="02020603050405020304" pitchFamily="18" charset="0"/>
+                <a:cs typeface="Times New Roman" panose="02020603050405020304" pitchFamily="18" charset="0"/>
+              </a:rPr>
+              <a:t>Generar reportes detallados.</a:t>
             </a:r>
           </a:p>
         </p:txBody>

--- a/Presentación.pptx
+++ b/Presentación.pptx
@@ -266,7 +266,7 @@
           <a:p>
             <a:fld id="{A8FA8FA4-8694-4C7D-B2BB-677D5A23FF89}" type="datetimeFigureOut">
               <a:rPr lang="es-ES" smtClean="0"/>
-              <a:t>02/09/2024</a:t>
+              <a:t>04/09/2024</a:t>
             </a:fld>
             <a:endParaRPr lang="es-ES"/>
           </a:p>
@@ -464,7 +464,7 @@
           <a:p>
             <a:fld id="{A8FA8FA4-8694-4C7D-B2BB-677D5A23FF89}" type="datetimeFigureOut">
               <a:rPr lang="es-ES" smtClean="0"/>
-              <a:t>02/09/2024</a:t>
+              <a:t>04/09/2024</a:t>
             </a:fld>
             <a:endParaRPr lang="es-ES"/>
           </a:p>
@@ -672,7 +672,7 @@
           <a:p>
             <a:fld id="{A8FA8FA4-8694-4C7D-B2BB-677D5A23FF89}" type="datetimeFigureOut">
               <a:rPr lang="es-ES" smtClean="0"/>
-              <a:t>02/09/2024</a:t>
+              <a:t>04/09/2024</a:t>
             </a:fld>
             <a:endParaRPr lang="es-ES"/>
           </a:p>
@@ -870,7 +870,7 @@
           <a:p>
             <a:fld id="{A8FA8FA4-8694-4C7D-B2BB-677D5A23FF89}" type="datetimeFigureOut">
               <a:rPr lang="es-ES" smtClean="0"/>
-              <a:t>02/09/2024</a:t>
+              <a:t>04/09/2024</a:t>
             </a:fld>
             <a:endParaRPr lang="es-ES"/>
           </a:p>
@@ -1145,7 +1145,7 @@
           <a:p>
             <a:fld id="{A8FA8FA4-8694-4C7D-B2BB-677D5A23FF89}" type="datetimeFigureOut">
               <a:rPr lang="es-ES" smtClean="0"/>
-              <a:t>02/09/2024</a:t>
+              <a:t>04/09/2024</a:t>
             </a:fld>
             <a:endParaRPr lang="es-ES"/>
           </a:p>
@@ -1410,7 +1410,7 @@
           <a:p>
             <a:fld id="{A8FA8FA4-8694-4C7D-B2BB-677D5A23FF89}" type="datetimeFigureOut">
               <a:rPr lang="es-ES" smtClean="0"/>
-              <a:t>02/09/2024</a:t>
+              <a:t>04/09/2024</a:t>
             </a:fld>
             <a:endParaRPr lang="es-ES"/>
           </a:p>
@@ -1822,7 +1822,7 @@
           <a:p>
             <a:fld id="{A8FA8FA4-8694-4C7D-B2BB-677D5A23FF89}" type="datetimeFigureOut">
               <a:rPr lang="es-ES" smtClean="0"/>
-              <a:t>02/09/2024</a:t>
+              <a:t>04/09/2024</a:t>
             </a:fld>
             <a:endParaRPr lang="es-ES"/>
           </a:p>
@@ -1963,7 +1963,7 @@
           <a:p>
             <a:fld id="{A8FA8FA4-8694-4C7D-B2BB-677D5A23FF89}" type="datetimeFigureOut">
               <a:rPr lang="es-ES" smtClean="0"/>
-              <a:t>02/09/2024</a:t>
+              <a:t>04/09/2024</a:t>
             </a:fld>
             <a:endParaRPr lang="es-ES"/>
           </a:p>
@@ -2076,7 +2076,7 @@
           <a:p>
             <a:fld id="{A8FA8FA4-8694-4C7D-B2BB-677D5A23FF89}" type="datetimeFigureOut">
               <a:rPr lang="es-ES" smtClean="0"/>
-              <a:t>02/09/2024</a:t>
+              <a:t>04/09/2024</a:t>
             </a:fld>
             <a:endParaRPr lang="es-ES"/>
           </a:p>
@@ -2387,7 +2387,7 @@
           <a:p>
             <a:fld id="{A8FA8FA4-8694-4C7D-B2BB-677D5A23FF89}" type="datetimeFigureOut">
               <a:rPr lang="es-ES" smtClean="0"/>
-              <a:t>02/09/2024</a:t>
+              <a:t>04/09/2024</a:t>
             </a:fld>
             <a:endParaRPr lang="es-ES"/>
           </a:p>
@@ -2675,7 +2675,7 @@
           <a:p>
             <a:fld id="{A8FA8FA4-8694-4C7D-B2BB-677D5A23FF89}" type="datetimeFigureOut">
               <a:rPr lang="es-ES" smtClean="0"/>
-              <a:t>02/09/2024</a:t>
+              <a:t>04/09/2024</a:t>
             </a:fld>
             <a:endParaRPr lang="es-ES"/>
           </a:p>
@@ -2916,7 +2916,7 @@
           <a:p>
             <a:fld id="{A8FA8FA4-8694-4C7D-B2BB-677D5A23FF89}" type="datetimeFigureOut">
               <a:rPr lang="es-ES" smtClean="0"/>
-              <a:t>02/09/2024</a:t>
+              <a:t>04/09/2024</a:t>
             </a:fld>
             <a:endParaRPr lang="es-ES"/>
           </a:p>
@@ -3547,31 +3547,6 @@
       </p:grpSpPr>
       <p:sp>
         <p:nvSpPr>
-          <p:cNvPr id="26" name="Marcador de contenido 25">
-            <a:extLst>
-              <a:ext uri="{FF2B5EF4-FFF2-40B4-BE49-F238E27FC236}">
-                <a16:creationId xmlns:a16="http://schemas.microsoft.com/office/drawing/2014/main" id="{2F291D8C-FAC0-7A4F-F69B-21997F924D64}"/>
-              </a:ext>
-            </a:extLst>
-          </p:cNvPr>
-          <p:cNvSpPr>
-            <a:spLocks noGrp="1"/>
-          </p:cNvSpPr>
-          <p:nvPr>
-            <p:ph sz="half" idx="2"/>
-          </p:nvPr>
-        </p:nvSpPr>
-        <p:spPr/>
-        <p:txBody>
-          <a:bodyPr/>
-          <a:lstStyle/>
-          <a:p>
-            <a:endParaRPr lang="es-ES"/>
-          </a:p>
-        </p:txBody>
-      </p:sp>
-      <p:sp>
-        <p:nvSpPr>
           <p:cNvPr id="4" name="Rectángulo 3">
             <a:extLst>
               <a:ext uri="{FF2B5EF4-FFF2-40B4-BE49-F238E27FC236}">
@@ -3650,7 +3625,7 @@
         </p:nvSpPr>
         <p:spPr>
           <a:xfrm>
-            <a:off x="0" y="6750000"/>
+            <a:off x="0" y="6771772"/>
             <a:ext cx="12192000" cy="108000"/>
           </a:xfrm>
           <a:prstGeom prst="rect">
@@ -3831,7 +3806,7 @@
         </p:nvSpPr>
         <p:spPr>
           <a:xfrm>
-            <a:off x="838200" y="2698472"/>
+            <a:off x="838200" y="2633156"/>
             <a:ext cx="4948791" cy="646331"/>
           </a:xfrm>
           <a:prstGeom prst="rect">
@@ -3874,6 +3849,83 @@
                 <a:cs typeface="Times New Roman" panose="02020603050405020304" pitchFamily="18" charset="0"/>
               </a:rPr>
               <a:t> S.A.C.</a:t>
+            </a:r>
+          </a:p>
+        </p:txBody>
+      </p:sp>
+      <p:pic>
+        <p:nvPicPr>
+          <p:cNvPr id="3" name="Imagen 2">
+            <a:extLst>
+              <a:ext uri="{FF2B5EF4-FFF2-40B4-BE49-F238E27FC236}">
+                <a16:creationId xmlns:a16="http://schemas.microsoft.com/office/drawing/2014/main" id="{33B520D5-2999-27E0-DF07-0CC414D42895}"/>
+              </a:ext>
+            </a:extLst>
+          </p:cNvPr>
+          <p:cNvPicPr>
+            <a:picLocks noChangeAspect="1"/>
+          </p:cNvPicPr>
+          <p:nvPr/>
+        </p:nvPicPr>
+        <p:blipFill>
+          <a:blip r:embed="rId4"/>
+          <a:stretch>
+            <a:fillRect/>
+          </a:stretch>
+        </p:blipFill>
+        <p:spPr>
+          <a:xfrm>
+            <a:off x="6022521" y="3054116"/>
+            <a:ext cx="5480957" cy="1894356"/>
+          </a:xfrm>
+          <a:prstGeom prst="rect">
+            <a:avLst/>
+          </a:prstGeom>
+        </p:spPr>
+      </p:pic>
+      <p:sp>
+        <p:nvSpPr>
+          <p:cNvPr id="5" name="CuadroTexto 4">
+            <a:extLst>
+              <a:ext uri="{FF2B5EF4-FFF2-40B4-BE49-F238E27FC236}">
+                <a16:creationId xmlns:a16="http://schemas.microsoft.com/office/drawing/2014/main" id="{D795415F-ED50-A83C-571C-E4348C41BFFB}"/>
+              </a:ext>
+            </a:extLst>
+          </p:cNvPr>
+          <p:cNvSpPr txBox="1"/>
+          <p:nvPr/>
+        </p:nvSpPr>
+        <p:spPr>
+          <a:xfrm>
+            <a:off x="6695766" y="2302195"/>
+            <a:ext cx="4134465" cy="646331"/>
+          </a:xfrm>
+          <a:prstGeom prst="rect">
+            <a:avLst/>
+          </a:prstGeom>
+          <a:noFill/>
+        </p:spPr>
+        <p:txBody>
+          <a:bodyPr wrap="none" rtlCol="0">
+            <a:spAutoFit/>
+          </a:bodyPr>
+          <a:lstStyle/>
+          <a:p>
+            <a:r>
+              <a:rPr lang="es-ES" b="1" dirty="0">
+                <a:latin typeface="Times New Roman" panose="02020603050405020304" pitchFamily="18" charset="0"/>
+                <a:cs typeface="Times New Roman" panose="02020603050405020304" pitchFamily="18" charset="0"/>
+              </a:rPr>
+              <a:t>Figura 2</a:t>
+            </a:r>
+          </a:p>
+          <a:p>
+            <a:r>
+              <a:rPr lang="es-ES" i="1" dirty="0">
+                <a:latin typeface="Times New Roman" panose="02020603050405020304" pitchFamily="18" charset="0"/>
+                <a:cs typeface="Times New Roman" panose="02020603050405020304" pitchFamily="18" charset="0"/>
+              </a:rPr>
+              <a:t>Gestión de Inventario de Equipos en Excel</a:t>
             </a:r>
           </a:p>
         </p:txBody>
@@ -4023,7 +4075,7 @@
         </p:nvSpPr>
         <p:spPr>
           <a:xfrm>
-            <a:off x="0" y="6750000"/>
+            <a:off x="0" y="6771772"/>
             <a:ext cx="12192000" cy="108000"/>
           </a:xfrm>
           <a:prstGeom prst="rect">
@@ -4390,7 +4442,7 @@
         </p:nvSpPr>
         <p:spPr>
           <a:xfrm>
-            <a:off x="0" y="6750000"/>
+            <a:off x="0" y="6771772"/>
             <a:ext cx="12192000" cy="108000"/>
           </a:xfrm>
           <a:prstGeom prst="rect">
@@ -4515,41 +4567,31 @@
           <a:chExt cx="0" cy="0"/>
         </a:xfrm>
       </p:grpSpPr>
-      <p:pic>
-        <p:nvPicPr>
-          <p:cNvPr id="6" name="Marcador de contenido 5" descr="Texto&#10;&#10;Descripción generada automáticamente">
-            <a:extLst>
-              <a:ext uri="{FF2B5EF4-FFF2-40B4-BE49-F238E27FC236}">
-                <a16:creationId xmlns:a16="http://schemas.microsoft.com/office/drawing/2014/main" id="{816CAFE8-2C37-E369-2477-54F24F0E5DF6}"/>
-              </a:ext>
-            </a:extLst>
-          </p:cNvPr>
-          <p:cNvPicPr>
-            <a:picLocks noGrp="1" noChangeAspect="1"/>
-          </p:cNvPicPr>
-          <p:nvPr>
-            <p:ph idx="1"/>
-          </p:nvPr>
-        </p:nvPicPr>
-        <p:blipFill>
-          <a:blip r:embed="rId2">
-            <a:extLst>
-              <a:ext uri="{28A0092B-C50C-407E-A947-70E740481C1C}">
-                <a14:useLocalDpi xmlns:a14="http://schemas.microsoft.com/office/drawing/2010/main" val="0"/>
-              </a:ext>
-            </a:extLst>
-          </a:blip>
-          <a:stretch>
-            <a:fillRect/>
-          </a:stretch>
-        </p:blipFill>
-        <p:spPr>
-          <a:xfrm>
-            <a:off x="0" y="193127"/>
-            <a:ext cx="1048768" cy="343996"/>
-          </a:xfrm>
-        </p:spPr>
-      </p:pic>
+      <p:sp>
+        <p:nvSpPr>
+          <p:cNvPr id="17" name="Marcador de contenido 16">
+            <a:extLst>
+              <a:ext uri="{FF2B5EF4-FFF2-40B4-BE49-F238E27FC236}">
+                <a16:creationId xmlns:a16="http://schemas.microsoft.com/office/drawing/2014/main" id="{2EADC016-F5A0-ACED-ECF5-EAEB0D26089F}"/>
+              </a:ext>
+            </a:extLst>
+          </p:cNvPr>
+          <p:cNvSpPr>
+            <a:spLocks noGrp="1"/>
+          </p:cNvSpPr>
+          <p:nvPr>
+            <p:ph sz="half" idx="2"/>
+          </p:nvPr>
+        </p:nvSpPr>
+        <p:spPr/>
+        <p:txBody>
+          <a:bodyPr/>
+          <a:lstStyle/>
+          <a:p>
+            <a:endParaRPr lang="es-PE" dirty="0"/>
+          </a:p>
+        </p:txBody>
+      </p:sp>
       <p:sp>
         <p:nvSpPr>
           <p:cNvPr id="4" name="Rectángulo 3">
@@ -4630,7 +4672,7 @@
         </p:nvSpPr>
         <p:spPr>
           <a:xfrm>
-            <a:off x="0" y="6750000"/>
+            <a:off x="0" y="6771772"/>
             <a:ext cx="12192000" cy="108000"/>
           </a:xfrm>
           <a:prstGeom prst="rect">
@@ -4725,6 +4767,255 @@
           </a:p>
         </p:txBody>
       </p:sp>
+      <p:pic>
+        <p:nvPicPr>
+          <p:cNvPr id="18" name="Marcador de contenido 5" descr="Texto&#10;&#10;Descripción generada automáticamente">
+            <a:extLst>
+              <a:ext uri="{FF2B5EF4-FFF2-40B4-BE49-F238E27FC236}">
+                <a16:creationId xmlns:a16="http://schemas.microsoft.com/office/drawing/2014/main" id="{F151EC5C-DF7C-610F-90FB-47296FDF9ACF}"/>
+              </a:ext>
+            </a:extLst>
+          </p:cNvPr>
+          <p:cNvPicPr>
+            <a:picLocks noChangeAspect="1"/>
+          </p:cNvPicPr>
+          <p:nvPr/>
+        </p:nvPicPr>
+        <p:blipFill>
+          <a:blip r:embed="rId2">
+            <a:extLst>
+              <a:ext uri="{28A0092B-C50C-407E-A947-70E740481C1C}">
+                <a14:useLocalDpi xmlns:a14="http://schemas.microsoft.com/office/drawing/2010/main" val="0"/>
+              </a:ext>
+            </a:extLst>
+          </a:blip>
+          <a:stretch>
+            <a:fillRect/>
+          </a:stretch>
+        </p:blipFill>
+        <p:spPr>
+          <a:xfrm>
+            <a:off x="0" y="193127"/>
+            <a:ext cx="1048768" cy="343996"/>
+          </a:xfrm>
+          <a:prstGeom prst="rect">
+            <a:avLst/>
+          </a:prstGeom>
+        </p:spPr>
+      </p:pic>
+      <p:grpSp>
+        <p:nvGrpSpPr>
+          <p:cNvPr id="21" name="Grupo 20">
+            <a:extLst>
+              <a:ext uri="{FF2B5EF4-FFF2-40B4-BE49-F238E27FC236}">
+                <a16:creationId xmlns:a16="http://schemas.microsoft.com/office/drawing/2014/main" id="{DE200E99-F61B-705F-EA1D-CF6FCDF24BDC}"/>
+              </a:ext>
+            </a:extLst>
+          </p:cNvPr>
+          <p:cNvGrpSpPr/>
+          <p:nvPr/>
+        </p:nvGrpSpPr>
+        <p:grpSpPr>
+          <a:xfrm>
+            <a:off x="1769986" y="2895471"/>
+            <a:ext cx="3318025" cy="2671517"/>
+            <a:chOff x="1757840" y="2921969"/>
+            <a:chExt cx="3318025" cy="2671517"/>
+          </a:xfrm>
+        </p:grpSpPr>
+        <p:pic>
+          <p:nvPicPr>
+            <p:cNvPr id="3" name="Imagen 2" descr="Logotipo, nombre de la empresa&#10;&#10;Descripción generada automáticamente">
+              <a:extLst>
+                <a:ext uri="{FF2B5EF4-FFF2-40B4-BE49-F238E27FC236}">
+                  <a16:creationId xmlns:a16="http://schemas.microsoft.com/office/drawing/2014/main" id="{B46C0701-B65D-A25F-C1EB-9AF8286FDE38}"/>
+                </a:ext>
+              </a:extLst>
+            </p:cNvPr>
+            <p:cNvPicPr>
+              <a:picLocks noChangeAspect="1"/>
+            </p:cNvPicPr>
+            <p:nvPr/>
+          </p:nvPicPr>
+          <p:blipFill>
+            <a:blip r:embed="rId3">
+              <a:extLst>
+                <a:ext uri="{28A0092B-C50C-407E-A947-70E740481C1C}">
+                  <a14:useLocalDpi xmlns:a14="http://schemas.microsoft.com/office/drawing/2010/main" val="0"/>
+                </a:ext>
+              </a:extLst>
+            </a:blip>
+            <a:stretch>
+              <a:fillRect/>
+            </a:stretch>
+          </p:blipFill>
+          <p:spPr>
+            <a:xfrm rot="1233413">
+              <a:off x="3294565" y="3805476"/>
+              <a:ext cx="1781300" cy="1440000"/>
+            </a:xfrm>
+            <a:prstGeom prst="rect">
+              <a:avLst/>
+            </a:prstGeom>
+          </p:spPr>
+        </p:pic>
+        <p:pic>
+          <p:nvPicPr>
+            <p:cNvPr id="13" name="Imagen 12" descr="Icono&#10;&#10;Descripción generada automáticamente">
+              <a:extLst>
+                <a:ext uri="{FF2B5EF4-FFF2-40B4-BE49-F238E27FC236}">
+                  <a16:creationId xmlns:a16="http://schemas.microsoft.com/office/drawing/2014/main" id="{1E17A458-704C-451B-A784-7DFF92FAB3C9}"/>
+                </a:ext>
+              </a:extLst>
+            </p:cNvPr>
+            <p:cNvPicPr>
+              <a:picLocks noChangeAspect="1"/>
+            </p:cNvPicPr>
+            <p:nvPr/>
+          </p:nvPicPr>
+          <p:blipFill>
+            <a:blip r:embed="rId4">
+              <a:extLst>
+                <a:ext uri="{28A0092B-C50C-407E-A947-70E740481C1C}">
+                  <a14:useLocalDpi xmlns:a14="http://schemas.microsoft.com/office/drawing/2010/main" val="0"/>
+                </a:ext>
+              </a:extLst>
+            </a:blip>
+            <a:stretch>
+              <a:fillRect/>
+            </a:stretch>
+          </p:blipFill>
+          <p:spPr>
+            <a:xfrm>
+              <a:off x="2628900" y="2921969"/>
+              <a:ext cx="1440000" cy="1440000"/>
+            </a:xfrm>
+            <a:prstGeom prst="rect">
+              <a:avLst/>
+            </a:prstGeom>
+          </p:spPr>
+        </p:pic>
+        <p:pic>
+          <p:nvPicPr>
+            <p:cNvPr id="11" name="Imagen 10" descr="Logotipo, nombre de la empresa&#10;&#10;Descripción generada automáticamente">
+              <a:extLst>
+                <a:ext uri="{FF2B5EF4-FFF2-40B4-BE49-F238E27FC236}">
+                  <a16:creationId xmlns:a16="http://schemas.microsoft.com/office/drawing/2014/main" id="{1776411C-9E29-D18C-2D7B-3DA7A2C5E65F}"/>
+                </a:ext>
+              </a:extLst>
+            </p:cNvPr>
+            <p:cNvPicPr>
+              <a:picLocks noChangeAspect="1"/>
+            </p:cNvPicPr>
+            <p:nvPr/>
+          </p:nvPicPr>
+          <p:blipFill>
+            <a:blip r:embed="rId5">
+              <a:extLst>
+                <a:ext uri="{28A0092B-C50C-407E-A947-70E740481C1C}">
+                  <a14:useLocalDpi xmlns:a14="http://schemas.microsoft.com/office/drawing/2010/main" val="0"/>
+                </a:ext>
+              </a:extLst>
+            </a:blip>
+            <a:stretch>
+              <a:fillRect/>
+            </a:stretch>
+          </p:blipFill>
+          <p:spPr>
+            <a:xfrm rot="20253732">
+              <a:off x="1757840" y="4153486"/>
+              <a:ext cx="1364620" cy="1440000"/>
+            </a:xfrm>
+            <a:prstGeom prst="rect">
+              <a:avLst/>
+            </a:prstGeom>
+          </p:spPr>
+        </p:pic>
+      </p:grpSp>
+      <p:sp>
+        <p:nvSpPr>
+          <p:cNvPr id="24" name="CuadroTexto 23">
+            <a:extLst>
+              <a:ext uri="{FF2B5EF4-FFF2-40B4-BE49-F238E27FC236}">
+                <a16:creationId xmlns:a16="http://schemas.microsoft.com/office/drawing/2014/main" id="{19C3A021-01BA-AAA0-CE0A-692E84B4BC26}"/>
+              </a:ext>
+            </a:extLst>
+          </p:cNvPr>
+          <p:cNvSpPr txBox="1"/>
+          <p:nvPr/>
+        </p:nvSpPr>
+        <p:spPr>
+          <a:xfrm>
+            <a:off x="1959174" y="2181671"/>
+            <a:ext cx="2939651" cy="646331"/>
+          </a:xfrm>
+          <a:prstGeom prst="rect">
+            <a:avLst/>
+          </a:prstGeom>
+          <a:noFill/>
+        </p:spPr>
+        <p:txBody>
+          <a:bodyPr wrap="none" rtlCol="0">
+            <a:spAutoFit/>
+          </a:bodyPr>
+          <a:lstStyle/>
+          <a:p>
+            <a:r>
+              <a:rPr lang="es-ES" b="1" dirty="0">
+                <a:latin typeface="Times New Roman" panose="02020603050405020304" pitchFamily="18" charset="0"/>
+                <a:cs typeface="Times New Roman" panose="02020603050405020304" pitchFamily="18" charset="0"/>
+              </a:rPr>
+              <a:t>Figura 1</a:t>
+            </a:r>
+          </a:p>
+          <a:p>
+            <a:r>
+              <a:rPr lang="es-ES" i="1" dirty="0" err="1">
+                <a:latin typeface="Times New Roman" panose="02020603050405020304" pitchFamily="18" charset="0"/>
+                <a:cs typeface="Times New Roman" panose="02020603050405020304" pitchFamily="18" charset="0"/>
+              </a:rPr>
+              <a:t>Stack</a:t>
+            </a:r>
+            <a:r>
+              <a:rPr lang="es-ES" i="1" dirty="0">
+                <a:latin typeface="Times New Roman" panose="02020603050405020304" pitchFamily="18" charset="0"/>
+                <a:cs typeface="Times New Roman" panose="02020603050405020304" pitchFamily="18" charset="0"/>
+              </a:rPr>
+              <a:t> de Desarrollo Utilizado</a:t>
+            </a:r>
+          </a:p>
+        </p:txBody>
+      </p:sp>
+      <p:pic>
+        <p:nvPicPr>
+          <p:cNvPr id="26" name="Imagen 25">
+            <a:extLst>
+              <a:ext uri="{FF2B5EF4-FFF2-40B4-BE49-F238E27FC236}">
+                <a16:creationId xmlns:a16="http://schemas.microsoft.com/office/drawing/2014/main" id="{45CCA989-44A6-8F8B-7231-85DA831E5546}"/>
+              </a:ext>
+            </a:extLst>
+          </p:cNvPr>
+          <p:cNvPicPr>
+            <a:picLocks noChangeAspect="1"/>
+          </p:cNvPicPr>
+          <p:nvPr/>
+        </p:nvPicPr>
+        <p:blipFill>
+          <a:blip r:embed="rId6"/>
+          <a:stretch>
+            <a:fillRect/>
+          </a:stretch>
+        </p:blipFill>
+        <p:spPr>
+          <a:xfrm>
+            <a:off x="5993041" y="2181671"/>
+            <a:ext cx="5077534" cy="3848637"/>
+          </a:xfrm>
+          <a:prstGeom prst="rect">
+            <a:avLst/>
+          </a:prstGeom>
+        </p:spPr>
+      </p:pic>
     </p:spTree>
     <p:extLst>
       <p:ext uri="{BB962C8B-B14F-4D97-AF65-F5344CB8AC3E}">
@@ -4870,7 +5161,7 @@
         </p:nvSpPr>
         <p:spPr>
           <a:xfrm>
-            <a:off x="0" y="6750000"/>
+            <a:off x="0" y="6771772"/>
             <a:ext cx="12192000" cy="108000"/>
           </a:xfrm>
           <a:prstGeom prst="rect">
@@ -5110,7 +5401,7 @@
         </p:nvSpPr>
         <p:spPr>
           <a:xfrm>
-            <a:off x="0" y="6750000"/>
+            <a:off x="0" y="6771772"/>
             <a:ext cx="12192000" cy="108000"/>
           </a:xfrm>
           <a:prstGeom prst="rect">
@@ -5597,7 +5888,7 @@
         </p:nvSpPr>
         <p:spPr>
           <a:xfrm>
-            <a:off x="0" y="6750000"/>
+            <a:off x="0" y="6771772"/>
             <a:ext cx="12192000" cy="108000"/>
           </a:xfrm>
           <a:prstGeom prst="rect">
